--- a/Lesson8/8_IntroductionToRL.pptx
+++ b/Lesson8/8_IntroductionToRL.pptx
@@ -5,7 +5,7 @@
     <p:sldMasterId id="2147483648" r:id="rId1"/>
   </p:sldMasterIdLst>
   <p:notesMasterIdLst>
-    <p:notesMasterId r:id="rId19"/>
+    <p:notesMasterId r:id="rId21"/>
   </p:notesMasterIdLst>
   <p:sldIdLst>
     <p:sldId id="357" r:id="rId2"/>
@@ -15,16 +15,18 @@
     <p:sldId id="277" r:id="rId6"/>
     <p:sldId id="332" r:id="rId7"/>
     <p:sldId id="331" r:id="rId8"/>
-    <p:sldId id="268" r:id="rId9"/>
-    <p:sldId id="276" r:id="rId10"/>
-    <p:sldId id="261" r:id="rId11"/>
-    <p:sldId id="271" r:id="rId12"/>
-    <p:sldId id="275" r:id="rId13"/>
-    <p:sldId id="272" r:id="rId14"/>
-    <p:sldId id="267" r:id="rId15"/>
-    <p:sldId id="273" r:id="rId16"/>
-    <p:sldId id="270" r:id="rId17"/>
-    <p:sldId id="274" r:id="rId18"/>
+    <p:sldId id="367" r:id="rId9"/>
+    <p:sldId id="268" r:id="rId10"/>
+    <p:sldId id="276" r:id="rId11"/>
+    <p:sldId id="261" r:id="rId12"/>
+    <p:sldId id="271" r:id="rId13"/>
+    <p:sldId id="275" r:id="rId14"/>
+    <p:sldId id="368" r:id="rId15"/>
+    <p:sldId id="272" r:id="rId16"/>
+    <p:sldId id="267" r:id="rId17"/>
+    <p:sldId id="273" r:id="rId18"/>
+    <p:sldId id="270" r:id="rId19"/>
+    <p:sldId id="274" r:id="rId20"/>
   </p:sldIdLst>
   <p:sldSz cx="12192000" cy="6858000"/>
   <p:notesSz cx="7010400" cy="9296400"/>
@@ -213,7 +215,7 @@
           <a:p>
             <a:fld id="{C75DD750-158B-4380-AC47-CA00480A5F97}" type="datetimeFigureOut">
               <a:rPr lang="en-US" smtClean="0"/>
-              <a:t>11/7/2019</a:t>
+              <a:t>5/31/2022</a:t>
             </a:fld>
             <a:endParaRPr lang="en-US"/>
           </a:p>
@@ -727,7 +729,7 @@
           <a:p>
             <a:fld id="{73D5C82B-CC0C-4AE7-BDB4-1A19CC9163D1}" type="slidenum">
               <a:rPr lang="en-US" smtClean="0"/>
-              <a:t>9</a:t>
+              <a:t>10</a:t>
             </a:fld>
             <a:endParaRPr lang="en-US"/>
           </a:p>
@@ -893,7 +895,7 @@
           <a:p>
             <a:fld id="{B85B4B09-DF96-4B96-8C42-59BA82DF2792}" type="datetimeFigureOut">
               <a:rPr lang="en-US" smtClean="0"/>
-              <a:t>11/7/2019</a:t>
+              <a:t>5/31/2022</a:t>
             </a:fld>
             <a:endParaRPr lang="en-US"/>
           </a:p>
@@ -1091,7 +1093,7 @@
           <a:p>
             <a:fld id="{B85B4B09-DF96-4B96-8C42-59BA82DF2792}" type="datetimeFigureOut">
               <a:rPr lang="en-US" smtClean="0"/>
-              <a:t>11/7/2019</a:t>
+              <a:t>5/31/2022</a:t>
             </a:fld>
             <a:endParaRPr lang="en-US"/>
           </a:p>
@@ -1299,7 +1301,7 @@
           <a:p>
             <a:fld id="{B85B4B09-DF96-4B96-8C42-59BA82DF2792}" type="datetimeFigureOut">
               <a:rPr lang="en-US" smtClean="0"/>
-              <a:t>11/7/2019</a:t>
+              <a:t>5/31/2022</a:t>
             </a:fld>
             <a:endParaRPr lang="en-US"/>
           </a:p>
@@ -1825,7 +1827,7 @@
           <a:p>
             <a:fld id="{B85B4B09-DF96-4B96-8C42-59BA82DF2792}" type="datetimeFigureOut">
               <a:rPr lang="en-US" smtClean="0"/>
-              <a:t>11/7/2019</a:t>
+              <a:t>5/31/2022</a:t>
             </a:fld>
             <a:endParaRPr lang="en-US"/>
           </a:p>
@@ -2100,7 +2102,7 @@
           <a:p>
             <a:fld id="{B85B4B09-DF96-4B96-8C42-59BA82DF2792}" type="datetimeFigureOut">
               <a:rPr lang="en-US" smtClean="0"/>
-              <a:t>11/7/2019</a:t>
+              <a:t>5/31/2022</a:t>
             </a:fld>
             <a:endParaRPr lang="en-US"/>
           </a:p>
@@ -2365,7 +2367,7 @@
           <a:p>
             <a:fld id="{B85B4B09-DF96-4B96-8C42-59BA82DF2792}" type="datetimeFigureOut">
               <a:rPr lang="en-US" smtClean="0"/>
-              <a:t>11/7/2019</a:t>
+              <a:t>5/31/2022</a:t>
             </a:fld>
             <a:endParaRPr lang="en-US"/>
           </a:p>
@@ -2777,7 +2779,7 @@
           <a:p>
             <a:fld id="{B85B4B09-DF96-4B96-8C42-59BA82DF2792}" type="datetimeFigureOut">
               <a:rPr lang="en-US" smtClean="0"/>
-              <a:t>11/7/2019</a:t>
+              <a:t>5/31/2022</a:t>
             </a:fld>
             <a:endParaRPr lang="en-US"/>
           </a:p>
@@ -2918,7 +2920,7 @@
           <a:p>
             <a:fld id="{B85B4B09-DF96-4B96-8C42-59BA82DF2792}" type="datetimeFigureOut">
               <a:rPr lang="en-US" smtClean="0"/>
-              <a:t>11/7/2019</a:t>
+              <a:t>5/31/2022</a:t>
             </a:fld>
             <a:endParaRPr lang="en-US"/>
           </a:p>
@@ -3031,7 +3033,7 @@
           <a:p>
             <a:fld id="{B85B4B09-DF96-4B96-8C42-59BA82DF2792}" type="datetimeFigureOut">
               <a:rPr lang="en-US" smtClean="0"/>
-              <a:t>11/7/2019</a:t>
+              <a:t>5/31/2022</a:t>
             </a:fld>
             <a:endParaRPr lang="en-US"/>
           </a:p>
@@ -3342,7 +3344,7 @@
           <a:p>
             <a:fld id="{B85B4B09-DF96-4B96-8C42-59BA82DF2792}" type="datetimeFigureOut">
               <a:rPr lang="en-US" smtClean="0"/>
-              <a:t>11/7/2019</a:t>
+              <a:t>5/31/2022</a:t>
             </a:fld>
             <a:endParaRPr lang="en-US"/>
           </a:p>
@@ -3630,7 +3632,7 @@
           <a:p>
             <a:fld id="{B85B4B09-DF96-4B96-8C42-59BA82DF2792}" type="datetimeFigureOut">
               <a:rPr lang="en-US" smtClean="0"/>
-              <a:t>11/7/2019</a:t>
+              <a:t>5/31/2022</a:t>
             </a:fld>
             <a:endParaRPr lang="en-US"/>
           </a:p>
@@ -3871,7 +3873,7 @@
           <a:p>
             <a:fld id="{B85B4B09-DF96-4B96-8C42-59BA82DF2792}" type="datetimeFigureOut">
               <a:rPr lang="en-US" smtClean="0"/>
-              <a:t>11/7/2019</a:t>
+              <a:t>5/31/2022</a:t>
             </a:fld>
             <a:endParaRPr lang="en-US"/>
           </a:p>
@@ -4329,22 +4331,20 @@
                 </a:solidFill>
                 <a:latin typeface="+mj-lt"/>
               </a:rPr>
-              <a:t>Machine Learning 410</a:t>
-            </a:r>
-          </a:p>
-          <a:p>
-            <a:pPr marL="0" indent="0">
-              <a:buNone/>
-            </a:pPr>
+              <a:t>Machine Learning </a:t>
+            </a:r>
             <a:r>
               <a:rPr lang="en-US" sz="3500" dirty="0">
-                <a:solidFill>
-                  <a:schemeClr val="tx1"/>
-                </a:solidFill>
                 <a:latin typeface="+mj-lt"/>
               </a:rPr>
-              <a:t>Lesson 9</a:t>
-            </a:r>
+              <a:t>530</a:t>
+            </a:r>
+            <a:endParaRPr lang="en-US" sz="3500" dirty="0">
+              <a:solidFill>
+                <a:schemeClr val="tx1"/>
+              </a:solidFill>
+              <a:latin typeface="+mj-lt"/>
+            </a:endParaRPr>
           </a:p>
           <a:p>
             <a:pPr marL="0" indent="0">
@@ -4619,7 +4619,7 @@
           <a:p>
             <a:r>
               <a:rPr lang="en-US" sz="1100" dirty="0"/>
-              <a:t>Copyright 2019, Stephen F Elston. All rights reserved.</a:t>
+              <a:t>Copyright 2019, 2022, Stephen F Elston. All rights reserved.</a:t>
             </a:r>
           </a:p>
           <a:p>
@@ -4641,6 +4641,647 @@
 </file>
 
 <file path=ppt/slides/slide10.xml><?xml version="1.0" encoding="utf-8"?>
+<p:sld xmlns:a="http://schemas.openxmlformats.org/drawingml/2006/main" xmlns:r="http://schemas.openxmlformats.org/officeDocument/2006/relationships" xmlns:p="http://schemas.openxmlformats.org/presentationml/2006/main">
+  <p:cSld>
+    <p:spTree>
+      <p:nvGrpSpPr>
+        <p:cNvPr id="1" name=""/>
+        <p:cNvGrpSpPr/>
+        <p:nvPr/>
+      </p:nvGrpSpPr>
+      <p:grpSpPr>
+        <a:xfrm>
+          <a:off x="0" y="0"/>
+          <a:ext cx="0" cy="0"/>
+          <a:chOff x="0" y="0"/>
+          <a:chExt cx="0" cy="0"/>
+        </a:xfrm>
+      </p:grpSpPr>
+      <p:sp>
+        <p:nvSpPr>
+          <p:cNvPr id="2" name="Title 1">
+            <a:extLst>
+              <a:ext uri="{FF2B5EF4-FFF2-40B4-BE49-F238E27FC236}">
+                <a16:creationId xmlns:a16="http://schemas.microsoft.com/office/drawing/2014/main" id="{0CD7134D-BEA3-40C5-86A1-0EC0826BBC37}"/>
+              </a:ext>
+            </a:extLst>
+          </p:cNvPr>
+          <p:cNvSpPr>
+            <a:spLocks noGrp="1"/>
+          </p:cNvSpPr>
+          <p:nvPr>
+            <p:ph type="title"/>
+          </p:nvPr>
+        </p:nvSpPr>
+        <p:spPr>
+          <a:xfrm>
+            <a:off x="838200" y="365126"/>
+            <a:ext cx="10515600" cy="609924"/>
+          </a:xfrm>
+        </p:spPr>
+        <p:txBody>
+          <a:bodyPr>
+            <a:normAutofit fontScale="90000"/>
+          </a:bodyPr>
+          <a:lstStyle/>
+          <a:p>
+            <a:r>
+              <a:rPr lang="en-US" dirty="0"/>
+              <a:t>What is Reinforcement Learning?</a:t>
+            </a:r>
+          </a:p>
+        </p:txBody>
+      </p:sp>
+      <p:sp>
+        <p:nvSpPr>
+          <p:cNvPr id="3" name="Content Placeholder 2">
+            <a:extLst>
+              <a:ext uri="{FF2B5EF4-FFF2-40B4-BE49-F238E27FC236}">
+                <a16:creationId xmlns:a16="http://schemas.microsoft.com/office/drawing/2014/main" id="{43F0A997-7DE7-4198-89C6-D62C15A06879}"/>
+              </a:ext>
+            </a:extLst>
+          </p:cNvPr>
+          <p:cNvSpPr>
+            <a:spLocks noGrp="1"/>
+          </p:cNvSpPr>
+          <p:nvPr>
+            <p:ph idx="1"/>
+          </p:nvPr>
+        </p:nvSpPr>
+        <p:spPr>
+          <a:xfrm>
+            <a:off x="838200" y="1105678"/>
+            <a:ext cx="10515600" cy="5071285"/>
+          </a:xfrm>
+        </p:spPr>
+        <p:txBody>
+          <a:bodyPr>
+            <a:normAutofit/>
+          </a:bodyPr>
+          <a:lstStyle/>
+          <a:p>
+            <a:pPr marL="0" indent="0">
+              <a:buNone/>
+            </a:pPr>
+            <a:r>
+              <a:rPr lang="en-US" sz="3200" dirty="0"/>
+              <a:t>Key differences with other ML methods:</a:t>
+            </a:r>
+          </a:p>
+          <a:p>
+            <a:r>
+              <a:rPr lang="en-US" dirty="0"/>
+              <a:t>RL agent learns by </a:t>
+            </a:r>
+            <a:r>
+              <a:rPr lang="en-US" b="1" dirty="0"/>
+              <a:t>trial and error</a:t>
+            </a:r>
+            <a:r>
+              <a:rPr lang="en-US" dirty="0"/>
+              <a:t>!</a:t>
+            </a:r>
+          </a:p>
+          <a:p>
+            <a:r>
+              <a:rPr lang="en-US" dirty="0"/>
+              <a:t>RL agent has no supervisor, only </a:t>
+            </a:r>
+            <a:r>
+              <a:rPr lang="en-US" b="1" dirty="0"/>
+              <a:t>reward signal</a:t>
+            </a:r>
+          </a:p>
+          <a:p>
+            <a:r>
+              <a:rPr lang="en-US" dirty="0"/>
+              <a:t>Cumulative reward feedback is </a:t>
+            </a:r>
+            <a:r>
+              <a:rPr lang="en-US" b="1" dirty="0"/>
+              <a:t>delayed</a:t>
+            </a:r>
+          </a:p>
+          <a:p>
+            <a:r>
+              <a:rPr lang="en-US" dirty="0"/>
+              <a:t>Agent </a:t>
+            </a:r>
+            <a:r>
+              <a:rPr lang="en-US" b="1" dirty="0"/>
+              <a:t>learns policy </a:t>
+            </a:r>
+            <a:r>
+              <a:rPr lang="en-US" dirty="0"/>
+              <a:t>for a given </a:t>
+            </a:r>
+            <a:r>
+              <a:rPr lang="en-US" b="1" dirty="0"/>
+              <a:t>task</a:t>
+            </a:r>
+          </a:p>
+          <a:p>
+            <a:r>
+              <a:rPr lang="en-US" dirty="0"/>
+              <a:t>Policy determines </a:t>
+            </a:r>
+            <a:r>
+              <a:rPr lang="en-US" b="1" dirty="0"/>
+              <a:t>actions</a:t>
+            </a:r>
+            <a:r>
+              <a:rPr lang="en-US" dirty="0"/>
+              <a:t>, given state</a:t>
+            </a:r>
+          </a:p>
+          <a:p>
+            <a:r>
+              <a:rPr lang="en-US" dirty="0"/>
+              <a:t>Optimal </a:t>
+            </a:r>
+            <a:r>
+              <a:rPr lang="en-US" b="1" dirty="0"/>
+              <a:t>policy</a:t>
+            </a:r>
+            <a:r>
+              <a:rPr lang="en-US" dirty="0"/>
+              <a:t> </a:t>
+            </a:r>
+            <a:r>
+              <a:rPr lang="en-US" b="1" dirty="0"/>
+              <a:t>maximizes cumulative reward </a:t>
+            </a:r>
+            <a:r>
+              <a:rPr lang="en-US" dirty="0"/>
+              <a:t>or </a:t>
+            </a:r>
+            <a:r>
+              <a:rPr lang="en-US" b="1" dirty="0"/>
+              <a:t>utility</a:t>
+            </a:r>
+          </a:p>
+          <a:p>
+            <a:r>
+              <a:rPr lang="en-US" dirty="0"/>
+              <a:t>Time matters; </a:t>
+            </a:r>
+            <a:r>
+              <a:rPr lang="en-US" b="1" dirty="0"/>
+              <a:t>sequential, non-</a:t>
+            </a:r>
+            <a:r>
+              <a:rPr lang="en-US" b="1" dirty="0" err="1"/>
+              <a:t>iid</a:t>
+            </a:r>
+            <a:r>
+              <a:rPr lang="en-US" b="1" dirty="0"/>
+              <a:t> data</a:t>
+            </a:r>
+          </a:p>
+          <a:p>
+            <a:endParaRPr lang="en-US" dirty="0"/>
+          </a:p>
+          <a:p>
+            <a:endParaRPr lang="en-US" dirty="0"/>
+          </a:p>
+        </p:txBody>
+      </p:sp>
+    </p:spTree>
+    <p:extLst>
+      <p:ext uri="{BB962C8B-B14F-4D97-AF65-F5344CB8AC3E}">
+        <p14:creationId xmlns:p14="http://schemas.microsoft.com/office/powerpoint/2010/main" val="1191515089"/>
+      </p:ext>
+    </p:extLst>
+  </p:cSld>
+  <p:clrMapOvr>
+    <a:masterClrMapping/>
+  </p:clrMapOvr>
+  <p:timing>
+    <p:tnLst>
+      <p:par>
+        <p:cTn id="1" dur="indefinite" restart="never" nodeType="tmRoot">
+          <p:childTnLst>
+            <p:seq concurrent="1" nextAc="seek">
+              <p:cTn id="2" dur="indefinite" nodeType="mainSeq">
+                <p:childTnLst>
+                  <p:par>
+                    <p:cTn id="3" fill="hold">
+                      <p:stCondLst>
+                        <p:cond delay="indefinite"/>
+                      </p:stCondLst>
+                      <p:childTnLst>
+                        <p:par>
+                          <p:cTn id="4" fill="hold">
+                            <p:stCondLst>
+                              <p:cond delay="0"/>
+                            </p:stCondLst>
+                            <p:childTnLst>
+                              <p:par>
+                                <p:cTn id="5" presetID="1" presetClass="entr" presetSubtype="0" fill="hold" nodeType="clickEffect">
+                                  <p:stCondLst>
+                                    <p:cond delay="0"/>
+                                  </p:stCondLst>
+                                  <p:childTnLst>
+                                    <p:set>
+                                      <p:cBhvr>
+                                        <p:cTn id="6" dur="1" fill="hold">
+                                          <p:stCondLst>
+                                            <p:cond delay="0"/>
+                                          </p:stCondLst>
+                                        </p:cTn>
+                                        <p:tgtEl>
+                                          <p:spTgt spid="3">
+                                            <p:txEl>
+                                              <p:pRg st="0" end="0"/>
+                                            </p:txEl>
+                                          </p:spTgt>
+                                        </p:tgtEl>
+                                        <p:attrNameLst>
+                                          <p:attrName>style.visibility</p:attrName>
+                                        </p:attrNameLst>
+                                      </p:cBhvr>
+                                      <p:to>
+                                        <p:strVal val="visible"/>
+                                      </p:to>
+                                    </p:set>
+                                  </p:childTnLst>
+                                </p:cTn>
+                              </p:par>
+                            </p:childTnLst>
+                          </p:cTn>
+                        </p:par>
+                      </p:childTnLst>
+                    </p:cTn>
+                  </p:par>
+                  <p:par>
+                    <p:cTn id="7" fill="hold">
+                      <p:stCondLst>
+                        <p:cond delay="indefinite"/>
+                      </p:stCondLst>
+                      <p:childTnLst>
+                        <p:par>
+                          <p:cTn id="8" fill="hold">
+                            <p:stCondLst>
+                              <p:cond delay="0"/>
+                            </p:stCondLst>
+                            <p:childTnLst>
+                              <p:par>
+                                <p:cTn id="9" presetID="1" presetClass="entr" presetSubtype="0" fill="hold" nodeType="clickEffect">
+                                  <p:stCondLst>
+                                    <p:cond delay="0"/>
+                                  </p:stCondLst>
+                                  <p:childTnLst>
+                                    <p:set>
+                                      <p:cBhvr>
+                                        <p:cTn id="10" dur="1" fill="hold">
+                                          <p:stCondLst>
+                                            <p:cond delay="0"/>
+                                          </p:stCondLst>
+                                        </p:cTn>
+                                        <p:tgtEl>
+                                          <p:spTgt spid="3">
+                                            <p:txEl>
+                                              <p:pRg st="1" end="1"/>
+                                            </p:txEl>
+                                          </p:spTgt>
+                                        </p:tgtEl>
+                                        <p:attrNameLst>
+                                          <p:attrName>style.visibility</p:attrName>
+                                        </p:attrNameLst>
+                                      </p:cBhvr>
+                                      <p:to>
+                                        <p:strVal val="visible"/>
+                                      </p:to>
+                                    </p:set>
+                                  </p:childTnLst>
+                                </p:cTn>
+                              </p:par>
+                            </p:childTnLst>
+                          </p:cTn>
+                        </p:par>
+                      </p:childTnLst>
+                    </p:cTn>
+                  </p:par>
+                  <p:par>
+                    <p:cTn id="11" fill="hold">
+                      <p:stCondLst>
+                        <p:cond delay="indefinite"/>
+                      </p:stCondLst>
+                      <p:childTnLst>
+                        <p:par>
+                          <p:cTn id="12" fill="hold">
+                            <p:stCondLst>
+                              <p:cond delay="0"/>
+                            </p:stCondLst>
+                            <p:childTnLst>
+                              <p:par>
+                                <p:cTn id="13" presetID="1" presetClass="entr" presetSubtype="0" fill="hold" nodeType="clickEffect">
+                                  <p:stCondLst>
+                                    <p:cond delay="0"/>
+                                  </p:stCondLst>
+                                  <p:childTnLst>
+                                    <p:set>
+                                      <p:cBhvr>
+                                        <p:cTn id="14" dur="1" fill="hold">
+                                          <p:stCondLst>
+                                            <p:cond delay="0"/>
+                                          </p:stCondLst>
+                                        </p:cTn>
+                                        <p:tgtEl>
+                                          <p:spTgt spid="3">
+                                            <p:txEl>
+                                              <p:pRg st="2" end="2"/>
+                                            </p:txEl>
+                                          </p:spTgt>
+                                        </p:tgtEl>
+                                        <p:attrNameLst>
+                                          <p:attrName>style.visibility</p:attrName>
+                                        </p:attrNameLst>
+                                      </p:cBhvr>
+                                      <p:to>
+                                        <p:strVal val="visible"/>
+                                      </p:to>
+                                    </p:set>
+                                  </p:childTnLst>
+                                </p:cTn>
+                              </p:par>
+                            </p:childTnLst>
+                          </p:cTn>
+                        </p:par>
+                      </p:childTnLst>
+                    </p:cTn>
+                  </p:par>
+                  <p:par>
+                    <p:cTn id="15" fill="hold">
+                      <p:stCondLst>
+                        <p:cond delay="indefinite"/>
+                      </p:stCondLst>
+                      <p:childTnLst>
+                        <p:par>
+                          <p:cTn id="16" fill="hold">
+                            <p:stCondLst>
+                              <p:cond delay="0"/>
+                            </p:stCondLst>
+                            <p:childTnLst>
+                              <p:par>
+                                <p:cTn id="17" presetID="1" presetClass="entr" presetSubtype="0" fill="hold" nodeType="clickEffect">
+                                  <p:stCondLst>
+                                    <p:cond delay="0"/>
+                                  </p:stCondLst>
+                                  <p:childTnLst>
+                                    <p:set>
+                                      <p:cBhvr>
+                                        <p:cTn id="18" dur="1" fill="hold">
+                                          <p:stCondLst>
+                                            <p:cond delay="0"/>
+                                          </p:stCondLst>
+                                        </p:cTn>
+                                        <p:tgtEl>
+                                          <p:spTgt spid="3">
+                                            <p:txEl>
+                                              <p:pRg st="3" end="3"/>
+                                            </p:txEl>
+                                          </p:spTgt>
+                                        </p:tgtEl>
+                                        <p:attrNameLst>
+                                          <p:attrName>style.visibility</p:attrName>
+                                        </p:attrNameLst>
+                                      </p:cBhvr>
+                                      <p:to>
+                                        <p:strVal val="visible"/>
+                                      </p:to>
+                                    </p:set>
+                                  </p:childTnLst>
+                                </p:cTn>
+                              </p:par>
+                            </p:childTnLst>
+                          </p:cTn>
+                        </p:par>
+                      </p:childTnLst>
+                    </p:cTn>
+                  </p:par>
+                  <p:par>
+                    <p:cTn id="19" fill="hold">
+                      <p:stCondLst>
+                        <p:cond delay="indefinite"/>
+                      </p:stCondLst>
+                      <p:childTnLst>
+                        <p:par>
+                          <p:cTn id="20" fill="hold">
+                            <p:stCondLst>
+                              <p:cond delay="0"/>
+                            </p:stCondLst>
+                            <p:childTnLst>
+                              <p:par>
+                                <p:cTn id="21" presetID="1" presetClass="entr" presetSubtype="0" fill="hold" nodeType="clickEffect">
+                                  <p:stCondLst>
+                                    <p:cond delay="0"/>
+                                  </p:stCondLst>
+                                  <p:childTnLst>
+                                    <p:set>
+                                      <p:cBhvr>
+                                        <p:cTn id="22" dur="1" fill="hold">
+                                          <p:stCondLst>
+                                            <p:cond delay="0"/>
+                                          </p:stCondLst>
+                                        </p:cTn>
+                                        <p:tgtEl>
+                                          <p:spTgt spid="3">
+                                            <p:txEl>
+                                              <p:pRg st="4" end="4"/>
+                                            </p:txEl>
+                                          </p:spTgt>
+                                        </p:tgtEl>
+                                        <p:attrNameLst>
+                                          <p:attrName>style.visibility</p:attrName>
+                                        </p:attrNameLst>
+                                      </p:cBhvr>
+                                      <p:to>
+                                        <p:strVal val="visible"/>
+                                      </p:to>
+                                    </p:set>
+                                  </p:childTnLst>
+                                </p:cTn>
+                              </p:par>
+                            </p:childTnLst>
+                          </p:cTn>
+                        </p:par>
+                      </p:childTnLst>
+                    </p:cTn>
+                  </p:par>
+                  <p:par>
+                    <p:cTn id="23" fill="hold">
+                      <p:stCondLst>
+                        <p:cond delay="indefinite"/>
+                      </p:stCondLst>
+                      <p:childTnLst>
+                        <p:par>
+                          <p:cTn id="24" fill="hold">
+                            <p:stCondLst>
+                              <p:cond delay="0"/>
+                            </p:stCondLst>
+                            <p:childTnLst>
+                              <p:par>
+                                <p:cTn id="25" presetID="1" presetClass="entr" presetSubtype="0" fill="hold" nodeType="clickEffect">
+                                  <p:stCondLst>
+                                    <p:cond delay="0"/>
+                                  </p:stCondLst>
+                                  <p:childTnLst>
+                                    <p:set>
+                                      <p:cBhvr>
+                                        <p:cTn id="26" dur="1" fill="hold">
+                                          <p:stCondLst>
+                                            <p:cond delay="0"/>
+                                          </p:stCondLst>
+                                        </p:cTn>
+                                        <p:tgtEl>
+                                          <p:spTgt spid="3">
+                                            <p:txEl>
+                                              <p:pRg st="5" end="5"/>
+                                            </p:txEl>
+                                          </p:spTgt>
+                                        </p:tgtEl>
+                                        <p:attrNameLst>
+                                          <p:attrName>style.visibility</p:attrName>
+                                        </p:attrNameLst>
+                                      </p:cBhvr>
+                                      <p:to>
+                                        <p:strVal val="visible"/>
+                                      </p:to>
+                                    </p:set>
+                                  </p:childTnLst>
+                                </p:cTn>
+                              </p:par>
+                            </p:childTnLst>
+                          </p:cTn>
+                        </p:par>
+                      </p:childTnLst>
+                    </p:cTn>
+                  </p:par>
+                  <p:par>
+                    <p:cTn id="27" fill="hold">
+                      <p:stCondLst>
+                        <p:cond delay="indefinite"/>
+                      </p:stCondLst>
+                      <p:childTnLst>
+                        <p:par>
+                          <p:cTn id="28" fill="hold">
+                            <p:stCondLst>
+                              <p:cond delay="0"/>
+                            </p:stCondLst>
+                            <p:childTnLst>
+                              <p:par>
+                                <p:cTn id="29" presetID="1" presetClass="entr" presetSubtype="0" fill="hold" nodeType="clickEffect">
+                                  <p:stCondLst>
+                                    <p:cond delay="0"/>
+                                  </p:stCondLst>
+                                  <p:childTnLst>
+                                    <p:set>
+                                      <p:cBhvr>
+                                        <p:cTn id="30" dur="1" fill="hold">
+                                          <p:stCondLst>
+                                            <p:cond delay="0"/>
+                                          </p:stCondLst>
+                                        </p:cTn>
+                                        <p:tgtEl>
+                                          <p:spTgt spid="3">
+                                            <p:txEl>
+                                              <p:pRg st="6" end="6"/>
+                                            </p:txEl>
+                                          </p:spTgt>
+                                        </p:tgtEl>
+                                        <p:attrNameLst>
+                                          <p:attrName>style.visibility</p:attrName>
+                                        </p:attrNameLst>
+                                      </p:cBhvr>
+                                      <p:to>
+                                        <p:strVal val="visible"/>
+                                      </p:to>
+                                    </p:set>
+                                  </p:childTnLst>
+                                </p:cTn>
+                              </p:par>
+                            </p:childTnLst>
+                          </p:cTn>
+                        </p:par>
+                      </p:childTnLst>
+                    </p:cTn>
+                  </p:par>
+                  <p:par>
+                    <p:cTn id="31" fill="hold">
+                      <p:stCondLst>
+                        <p:cond delay="indefinite"/>
+                      </p:stCondLst>
+                      <p:childTnLst>
+                        <p:par>
+                          <p:cTn id="32" fill="hold">
+                            <p:stCondLst>
+                              <p:cond delay="0"/>
+                            </p:stCondLst>
+                            <p:childTnLst>
+                              <p:par>
+                                <p:cTn id="33" presetID="1" presetClass="entr" presetSubtype="0" fill="hold" nodeType="clickEffect">
+                                  <p:stCondLst>
+                                    <p:cond delay="0"/>
+                                  </p:stCondLst>
+                                  <p:childTnLst>
+                                    <p:set>
+                                      <p:cBhvr>
+                                        <p:cTn id="34" dur="1" fill="hold">
+                                          <p:stCondLst>
+                                            <p:cond delay="0"/>
+                                          </p:stCondLst>
+                                        </p:cTn>
+                                        <p:tgtEl>
+                                          <p:spTgt spid="3">
+                                            <p:txEl>
+                                              <p:pRg st="7" end="7"/>
+                                            </p:txEl>
+                                          </p:spTgt>
+                                        </p:tgtEl>
+                                        <p:attrNameLst>
+                                          <p:attrName>style.visibility</p:attrName>
+                                        </p:attrNameLst>
+                                      </p:cBhvr>
+                                      <p:to>
+                                        <p:strVal val="visible"/>
+                                      </p:to>
+                                    </p:set>
+                                  </p:childTnLst>
+                                </p:cTn>
+                              </p:par>
+                            </p:childTnLst>
+                          </p:cTn>
+                        </p:par>
+                      </p:childTnLst>
+                    </p:cTn>
+                  </p:par>
+                </p:childTnLst>
+              </p:cTn>
+              <p:prevCondLst>
+                <p:cond evt="onPrev" delay="0">
+                  <p:tgtEl>
+                    <p:sldTgt/>
+                  </p:tgtEl>
+                </p:cond>
+              </p:prevCondLst>
+              <p:nextCondLst>
+                <p:cond evt="onNext" delay="0">
+                  <p:tgtEl>
+                    <p:sldTgt/>
+                  </p:tgtEl>
+                </p:cond>
+              </p:nextCondLst>
+            </p:seq>
+          </p:childTnLst>
+        </p:cTn>
+      </p:par>
+    </p:tnLst>
+  </p:timing>
+</p:sld>
+</file>
+
+<file path=ppt/slides/slide11.xml><?xml version="1.0" encoding="utf-8"?>
 <p:sld xmlns:a="http://schemas.openxmlformats.org/drawingml/2006/main" xmlns:r="http://schemas.openxmlformats.org/officeDocument/2006/relationships" xmlns:p="http://schemas.openxmlformats.org/presentationml/2006/main">
   <p:cSld>
     <p:spTree>
@@ -6507,7 +7148,7 @@
 </p:sld>
 </file>
 
-<file path=ppt/slides/slide11.xml><?xml version="1.0" encoding="utf-8"?>
+<file path=ppt/slides/slide12.xml><?xml version="1.0" encoding="utf-8"?>
 <p:sld xmlns:a="http://schemas.openxmlformats.org/drawingml/2006/main" xmlns:r="http://schemas.openxmlformats.org/officeDocument/2006/relationships" xmlns:p="http://schemas.openxmlformats.org/presentationml/2006/main">
   <p:cSld>
     <p:spTree>
@@ -7268,7 +7909,7 @@
 </p:sld>
 </file>
 
-<file path=ppt/slides/slide12.xml><?xml version="1.0" encoding="utf-8"?>
+<file path=ppt/slides/slide13.xml><?xml version="1.0" encoding="utf-8"?>
 <p:sld xmlns:a="http://schemas.openxmlformats.org/drawingml/2006/main" xmlns:r="http://schemas.openxmlformats.org/officeDocument/2006/relationships" xmlns:p="http://schemas.openxmlformats.org/presentationml/2006/main">
   <p:cSld>
     <p:spTree>
@@ -7841,7 +8482,70 @@
 </p:sld>
 </file>
 
-<file path=ppt/slides/slide13.xml><?xml version="1.0" encoding="utf-8"?>
+<file path=ppt/slides/slide14.xml><?xml version="1.0" encoding="utf-8"?>
+<p:sld xmlns:a="http://schemas.openxmlformats.org/drawingml/2006/main" xmlns:r="http://schemas.openxmlformats.org/officeDocument/2006/relationships" xmlns:p="http://schemas.openxmlformats.org/presentationml/2006/main">
+  <p:cSld>
+    <p:spTree>
+      <p:nvGrpSpPr>
+        <p:cNvPr id="1" name=""/>
+        <p:cNvGrpSpPr/>
+        <p:nvPr/>
+      </p:nvGrpSpPr>
+      <p:grpSpPr>
+        <a:xfrm>
+          <a:off x="0" y="0"/>
+          <a:ext cx="0" cy="0"/>
+          <a:chOff x="0" y="0"/>
+          <a:chExt cx="0" cy="0"/>
+        </a:xfrm>
+      </p:grpSpPr>
+      <p:sp>
+        <p:nvSpPr>
+          <p:cNvPr id="4" name="Title 3">
+            <a:extLst>
+              <a:ext uri="{FF2B5EF4-FFF2-40B4-BE49-F238E27FC236}">
+                <a16:creationId xmlns:a16="http://schemas.microsoft.com/office/drawing/2014/main" id="{07E948ED-62AA-55B1-87F9-2B94E7D4F2A6}"/>
+              </a:ext>
+            </a:extLst>
+          </p:cNvPr>
+          <p:cNvSpPr>
+            <a:spLocks noGrp="1"/>
+          </p:cNvSpPr>
+          <p:nvPr>
+            <p:ph type="title"/>
+          </p:nvPr>
+        </p:nvSpPr>
+        <p:spPr/>
+        <p:txBody>
+          <a:bodyPr/>
+          <a:lstStyle/>
+          <a:p>
+            <a:r>
+              <a:rPr lang="en-US">
+                <a:latin typeface="+mn-lt"/>
+              </a:rPr>
+              <a:t>Reward Functions</a:t>
+            </a:r>
+            <a:endParaRPr lang="en-US" dirty="0">
+              <a:latin typeface="+mn-lt"/>
+            </a:endParaRPr>
+          </a:p>
+        </p:txBody>
+      </p:sp>
+    </p:spTree>
+    <p:extLst>
+      <p:ext uri="{BB962C8B-B14F-4D97-AF65-F5344CB8AC3E}">
+        <p14:creationId xmlns:p14="http://schemas.microsoft.com/office/powerpoint/2010/main" val="3385649377"/>
+      </p:ext>
+    </p:extLst>
+  </p:cSld>
+  <p:clrMapOvr>
+    <a:masterClrMapping/>
+  </p:clrMapOvr>
+</p:sld>
+</file>
+
+<file path=ppt/slides/slide15.xml><?xml version="1.0" encoding="utf-8"?>
 <p:sld xmlns:a="http://schemas.openxmlformats.org/drawingml/2006/main" xmlns:r="http://schemas.openxmlformats.org/officeDocument/2006/relationships" xmlns:p="http://schemas.openxmlformats.org/presentationml/2006/main">
   <p:cSld>
     <p:spTree>
@@ -8258,7 +8962,7 @@
 </p:sld>
 </file>
 
-<file path=ppt/slides/slide14.xml><?xml version="1.0" encoding="utf-8"?>
+<file path=ppt/slides/slide16.xml><?xml version="1.0" encoding="utf-8"?>
 <p:sld xmlns:a="http://schemas.openxmlformats.org/drawingml/2006/main" xmlns:r="http://schemas.openxmlformats.org/officeDocument/2006/relationships" xmlns:p="http://schemas.openxmlformats.org/presentationml/2006/main">
   <p:cSld>
     <p:spTree>
@@ -8747,7 +9451,7 @@
 </p:sld>
 </file>
 
-<file path=ppt/slides/slide15.xml><?xml version="1.0" encoding="utf-8"?>
+<file path=ppt/slides/slide17.xml><?xml version="1.0" encoding="utf-8"?>
 <p:sld xmlns:a="http://schemas.openxmlformats.org/drawingml/2006/main" xmlns:r="http://schemas.openxmlformats.org/officeDocument/2006/relationships" xmlns:p="http://schemas.openxmlformats.org/presentationml/2006/main">
   <p:cSld>
     <p:spTree>
@@ -9173,7 +9877,7 @@
 </p:sld>
 </file>
 
-<file path=ppt/slides/slide16.xml><?xml version="1.0" encoding="utf-8"?>
+<file path=ppt/slides/slide18.xml><?xml version="1.0" encoding="utf-8"?>
 <p:sld xmlns:a="http://schemas.openxmlformats.org/drawingml/2006/main" xmlns:r="http://schemas.openxmlformats.org/officeDocument/2006/relationships" xmlns:p="http://schemas.openxmlformats.org/presentationml/2006/main">
   <p:cSld>
     <p:spTree>
@@ -9709,7 +10413,7 @@
 </p:sld>
 </file>
 
-<file path=ppt/slides/slide17.xml><?xml version="1.0" encoding="utf-8"?>
+<file path=ppt/slides/slide19.xml><?xml version="1.0" encoding="utf-8"?>
 <p:sld xmlns:a="http://schemas.openxmlformats.org/drawingml/2006/main" xmlns:r="http://schemas.openxmlformats.org/officeDocument/2006/relationships" xmlns:p="http://schemas.openxmlformats.org/presentationml/2006/main">
   <p:cSld>
     <p:spTree>
@@ -13503,6 +14207,15 @@
                 <a:ea typeface="Segoe UI" panose="020B0502040204020203" pitchFamily="34" charset="0"/>
                 <a:cs typeface="Segoe UI" panose="020B0502040204020203" pitchFamily="34" charset="0"/>
               </a:rPr>
+              <a:t>Policy gradient-based actor-critic methods</a:t>
+            </a:r>
+          </a:p>
+          <a:p>
+            <a:r>
+              <a:rPr lang="en-GB" dirty="0">
+                <a:ea typeface="Segoe UI" panose="020B0502040204020203" pitchFamily="34" charset="0"/>
+                <a:cs typeface="Segoe UI" panose="020B0502040204020203" pitchFamily="34" charset="0"/>
+              </a:rPr>
               <a:t>Function approximation and deep RL</a:t>
             </a:r>
           </a:p>
@@ -13808,6 +14521,55 @@
                       </p:childTnLst>
                     </p:cTn>
                   </p:par>
+                  <p:par>
+                    <p:cTn id="23" fill="hold">
+                      <p:stCondLst>
+                        <p:cond delay="indefinite"/>
+                      </p:stCondLst>
+                      <p:childTnLst>
+                        <p:par>
+                          <p:cTn id="24" fill="hold">
+                            <p:stCondLst>
+                              <p:cond delay="0"/>
+                            </p:stCondLst>
+                            <p:childTnLst>
+                              <p:par>
+                                <p:cTn id="25" presetID="1" presetClass="entr" presetSubtype="0" fill="hold" grpId="0" nodeType="clickEffect">
+                                  <p:stCondLst>
+                                    <p:cond delay="0"/>
+                                  </p:stCondLst>
+                                  <p:childTnLst>
+                                    <p:set>
+                                      <p:cBhvr>
+                                        <p:cTn id="26" dur="1" fill="hold">
+                                          <p:stCondLst>
+                                            <p:cond delay="0"/>
+                                          </p:stCondLst>
+                                        </p:cTn>
+                                        <p:tgtEl>
+                                          <p:spTgt spid="7">
+                                            <p:txEl>
+                                              <p:pRg st="5" end="5"/>
+                                            </p:txEl>
+                                          </p:spTgt>
+                                        </p:tgtEl>
+                                        <p:attrNameLst>
+                                          <p:attrName>style.visibility</p:attrName>
+                                        </p:attrNameLst>
+                                      </p:cBhvr>
+                                      <p:to>
+                                        <p:strVal val="visible"/>
+                                      </p:to>
+                                    </p:set>
+                                  </p:childTnLst>
+                                </p:cTn>
+                              </p:par>
+                            </p:childTnLst>
+                          </p:cTn>
+                        </p:par>
+                      </p:childTnLst>
+                    </p:cTn>
+                  </p:par>
                 </p:childTnLst>
               </p:cTn>
               <p:prevCondLst>
@@ -13837,6 +14599,66 @@
 </file>
 
 <file path=ppt/slides/slide8.xml><?xml version="1.0" encoding="utf-8"?>
+<p:sld xmlns:a="http://schemas.openxmlformats.org/drawingml/2006/main" xmlns:r="http://schemas.openxmlformats.org/officeDocument/2006/relationships" xmlns:p="http://schemas.openxmlformats.org/presentationml/2006/main">
+  <p:cSld>
+    <p:spTree>
+      <p:nvGrpSpPr>
+        <p:cNvPr id="1" name=""/>
+        <p:cNvGrpSpPr/>
+        <p:nvPr/>
+      </p:nvGrpSpPr>
+      <p:grpSpPr>
+        <a:xfrm>
+          <a:off x="0" y="0"/>
+          <a:ext cx="0" cy="0"/>
+          <a:chOff x="0" y="0"/>
+          <a:chExt cx="0" cy="0"/>
+        </a:xfrm>
+      </p:grpSpPr>
+      <p:sp>
+        <p:nvSpPr>
+          <p:cNvPr id="4" name="Title 3">
+            <a:extLst>
+              <a:ext uri="{FF2B5EF4-FFF2-40B4-BE49-F238E27FC236}">
+                <a16:creationId xmlns:a16="http://schemas.microsoft.com/office/drawing/2014/main" id="{07E948ED-62AA-55B1-87F9-2B94E7D4F2A6}"/>
+              </a:ext>
+            </a:extLst>
+          </p:cNvPr>
+          <p:cNvSpPr>
+            <a:spLocks noGrp="1"/>
+          </p:cNvSpPr>
+          <p:nvPr>
+            <p:ph type="title"/>
+          </p:nvPr>
+        </p:nvSpPr>
+        <p:spPr/>
+        <p:txBody>
+          <a:bodyPr/>
+          <a:lstStyle/>
+          <a:p>
+            <a:r>
+              <a:rPr lang="en-US" dirty="0">
+                <a:latin typeface="+mn-lt"/>
+              </a:rPr>
+              <a:t>What is Reinforcement Learning?</a:t>
+            </a:r>
+          </a:p>
+        </p:txBody>
+      </p:sp>
+    </p:spTree>
+    <p:extLst>
+      <p:ext uri="{BB962C8B-B14F-4D97-AF65-F5344CB8AC3E}">
+        <p14:creationId xmlns:p14="http://schemas.microsoft.com/office/powerpoint/2010/main" val="858664380"/>
+      </p:ext>
+    </p:extLst>
+  </p:cSld>
+  <p:clrMapOvr>
+    <a:masterClrMapping/>
+  </p:clrMapOvr>
+</p:sld>
+</file>
+
+<file path=ppt/slides/slide9.xml><?xml version="1.0" encoding="utf-8"?>
 <p:sld xmlns:a="http://schemas.openxmlformats.org/drawingml/2006/main" xmlns:r="http://schemas.openxmlformats.org/officeDocument/2006/relationships" xmlns:p="http://schemas.openxmlformats.org/presentationml/2006/main">
   <p:cSld>
     <p:spTree>
@@ -15117,647 +15939,6 @@
 </p:sld>
 </file>
 
-<file path=ppt/slides/slide9.xml><?xml version="1.0" encoding="utf-8"?>
-<p:sld xmlns:a="http://schemas.openxmlformats.org/drawingml/2006/main" xmlns:r="http://schemas.openxmlformats.org/officeDocument/2006/relationships" xmlns:p="http://schemas.openxmlformats.org/presentationml/2006/main">
-  <p:cSld>
-    <p:spTree>
-      <p:nvGrpSpPr>
-        <p:cNvPr id="1" name=""/>
-        <p:cNvGrpSpPr/>
-        <p:nvPr/>
-      </p:nvGrpSpPr>
-      <p:grpSpPr>
-        <a:xfrm>
-          <a:off x="0" y="0"/>
-          <a:ext cx="0" cy="0"/>
-          <a:chOff x="0" y="0"/>
-          <a:chExt cx="0" cy="0"/>
-        </a:xfrm>
-      </p:grpSpPr>
-      <p:sp>
-        <p:nvSpPr>
-          <p:cNvPr id="2" name="Title 1">
-            <a:extLst>
-              <a:ext uri="{FF2B5EF4-FFF2-40B4-BE49-F238E27FC236}">
-                <a16:creationId xmlns:a16="http://schemas.microsoft.com/office/drawing/2014/main" id="{0CD7134D-BEA3-40C5-86A1-0EC0826BBC37}"/>
-              </a:ext>
-            </a:extLst>
-          </p:cNvPr>
-          <p:cNvSpPr>
-            <a:spLocks noGrp="1"/>
-          </p:cNvSpPr>
-          <p:nvPr>
-            <p:ph type="title"/>
-          </p:nvPr>
-        </p:nvSpPr>
-        <p:spPr>
-          <a:xfrm>
-            <a:off x="838200" y="365126"/>
-            <a:ext cx="10515600" cy="609924"/>
-          </a:xfrm>
-        </p:spPr>
-        <p:txBody>
-          <a:bodyPr>
-            <a:normAutofit fontScale="90000"/>
-          </a:bodyPr>
-          <a:lstStyle/>
-          <a:p>
-            <a:r>
-              <a:rPr lang="en-US" dirty="0"/>
-              <a:t>What is Reinforcement Learning?</a:t>
-            </a:r>
-          </a:p>
-        </p:txBody>
-      </p:sp>
-      <p:sp>
-        <p:nvSpPr>
-          <p:cNvPr id="3" name="Content Placeholder 2">
-            <a:extLst>
-              <a:ext uri="{FF2B5EF4-FFF2-40B4-BE49-F238E27FC236}">
-                <a16:creationId xmlns:a16="http://schemas.microsoft.com/office/drawing/2014/main" id="{43F0A997-7DE7-4198-89C6-D62C15A06879}"/>
-              </a:ext>
-            </a:extLst>
-          </p:cNvPr>
-          <p:cNvSpPr>
-            <a:spLocks noGrp="1"/>
-          </p:cNvSpPr>
-          <p:nvPr>
-            <p:ph idx="1"/>
-          </p:nvPr>
-        </p:nvSpPr>
-        <p:spPr>
-          <a:xfrm>
-            <a:off x="838200" y="1105678"/>
-            <a:ext cx="10515600" cy="5071285"/>
-          </a:xfrm>
-        </p:spPr>
-        <p:txBody>
-          <a:bodyPr>
-            <a:normAutofit/>
-          </a:bodyPr>
-          <a:lstStyle/>
-          <a:p>
-            <a:pPr marL="0" indent="0">
-              <a:buNone/>
-            </a:pPr>
-            <a:r>
-              <a:rPr lang="en-US" sz="3200" dirty="0"/>
-              <a:t>Key differences with other ML methods:</a:t>
-            </a:r>
-          </a:p>
-          <a:p>
-            <a:r>
-              <a:rPr lang="en-US" dirty="0"/>
-              <a:t>RL agent learns by </a:t>
-            </a:r>
-            <a:r>
-              <a:rPr lang="en-US" b="1" dirty="0"/>
-              <a:t>trial and error</a:t>
-            </a:r>
-            <a:r>
-              <a:rPr lang="en-US" dirty="0"/>
-              <a:t>!</a:t>
-            </a:r>
-          </a:p>
-          <a:p>
-            <a:r>
-              <a:rPr lang="en-US" dirty="0"/>
-              <a:t>RL agent has no supervisor, only </a:t>
-            </a:r>
-            <a:r>
-              <a:rPr lang="en-US" b="1" dirty="0"/>
-              <a:t>reward signal</a:t>
-            </a:r>
-          </a:p>
-          <a:p>
-            <a:r>
-              <a:rPr lang="en-US" dirty="0"/>
-              <a:t>Cumulative reward feedback is </a:t>
-            </a:r>
-            <a:r>
-              <a:rPr lang="en-US" b="1" dirty="0"/>
-              <a:t>delayed</a:t>
-            </a:r>
-          </a:p>
-          <a:p>
-            <a:r>
-              <a:rPr lang="en-US" dirty="0"/>
-              <a:t>Agent </a:t>
-            </a:r>
-            <a:r>
-              <a:rPr lang="en-US" b="1" dirty="0"/>
-              <a:t>learns policy </a:t>
-            </a:r>
-            <a:r>
-              <a:rPr lang="en-US" dirty="0"/>
-              <a:t>for a given </a:t>
-            </a:r>
-            <a:r>
-              <a:rPr lang="en-US" b="1" dirty="0"/>
-              <a:t>task</a:t>
-            </a:r>
-          </a:p>
-          <a:p>
-            <a:r>
-              <a:rPr lang="en-US" dirty="0"/>
-              <a:t>Policy determines </a:t>
-            </a:r>
-            <a:r>
-              <a:rPr lang="en-US" b="1" dirty="0"/>
-              <a:t>actions</a:t>
-            </a:r>
-            <a:r>
-              <a:rPr lang="en-US" dirty="0"/>
-              <a:t>, given state</a:t>
-            </a:r>
-          </a:p>
-          <a:p>
-            <a:r>
-              <a:rPr lang="en-US" dirty="0"/>
-              <a:t>Optimal </a:t>
-            </a:r>
-            <a:r>
-              <a:rPr lang="en-US" b="1" dirty="0"/>
-              <a:t>policy</a:t>
-            </a:r>
-            <a:r>
-              <a:rPr lang="en-US" dirty="0"/>
-              <a:t> </a:t>
-            </a:r>
-            <a:r>
-              <a:rPr lang="en-US" b="1" dirty="0"/>
-              <a:t>maximizes cumulative reward </a:t>
-            </a:r>
-            <a:r>
-              <a:rPr lang="en-US" dirty="0"/>
-              <a:t>or </a:t>
-            </a:r>
-            <a:r>
-              <a:rPr lang="en-US" b="1" dirty="0"/>
-              <a:t>utility</a:t>
-            </a:r>
-          </a:p>
-          <a:p>
-            <a:r>
-              <a:rPr lang="en-US" dirty="0"/>
-              <a:t>Time matters; </a:t>
-            </a:r>
-            <a:r>
-              <a:rPr lang="en-US" b="1" dirty="0"/>
-              <a:t>sequential, non-</a:t>
-            </a:r>
-            <a:r>
-              <a:rPr lang="en-US" b="1" dirty="0" err="1"/>
-              <a:t>iid</a:t>
-            </a:r>
-            <a:r>
-              <a:rPr lang="en-US" b="1" dirty="0"/>
-              <a:t> data</a:t>
-            </a:r>
-          </a:p>
-          <a:p>
-            <a:endParaRPr lang="en-US" dirty="0"/>
-          </a:p>
-          <a:p>
-            <a:endParaRPr lang="en-US" dirty="0"/>
-          </a:p>
-        </p:txBody>
-      </p:sp>
-    </p:spTree>
-    <p:extLst>
-      <p:ext uri="{BB962C8B-B14F-4D97-AF65-F5344CB8AC3E}">
-        <p14:creationId xmlns:p14="http://schemas.microsoft.com/office/powerpoint/2010/main" val="1191515089"/>
-      </p:ext>
-    </p:extLst>
-  </p:cSld>
-  <p:clrMapOvr>
-    <a:masterClrMapping/>
-  </p:clrMapOvr>
-  <p:timing>
-    <p:tnLst>
-      <p:par>
-        <p:cTn id="1" dur="indefinite" restart="never" nodeType="tmRoot">
-          <p:childTnLst>
-            <p:seq concurrent="1" nextAc="seek">
-              <p:cTn id="2" dur="indefinite" nodeType="mainSeq">
-                <p:childTnLst>
-                  <p:par>
-                    <p:cTn id="3" fill="hold">
-                      <p:stCondLst>
-                        <p:cond delay="indefinite"/>
-                      </p:stCondLst>
-                      <p:childTnLst>
-                        <p:par>
-                          <p:cTn id="4" fill="hold">
-                            <p:stCondLst>
-                              <p:cond delay="0"/>
-                            </p:stCondLst>
-                            <p:childTnLst>
-                              <p:par>
-                                <p:cTn id="5" presetID="1" presetClass="entr" presetSubtype="0" fill="hold" nodeType="clickEffect">
-                                  <p:stCondLst>
-                                    <p:cond delay="0"/>
-                                  </p:stCondLst>
-                                  <p:childTnLst>
-                                    <p:set>
-                                      <p:cBhvr>
-                                        <p:cTn id="6" dur="1" fill="hold">
-                                          <p:stCondLst>
-                                            <p:cond delay="0"/>
-                                          </p:stCondLst>
-                                        </p:cTn>
-                                        <p:tgtEl>
-                                          <p:spTgt spid="3">
-                                            <p:txEl>
-                                              <p:pRg st="0" end="0"/>
-                                            </p:txEl>
-                                          </p:spTgt>
-                                        </p:tgtEl>
-                                        <p:attrNameLst>
-                                          <p:attrName>style.visibility</p:attrName>
-                                        </p:attrNameLst>
-                                      </p:cBhvr>
-                                      <p:to>
-                                        <p:strVal val="visible"/>
-                                      </p:to>
-                                    </p:set>
-                                  </p:childTnLst>
-                                </p:cTn>
-                              </p:par>
-                            </p:childTnLst>
-                          </p:cTn>
-                        </p:par>
-                      </p:childTnLst>
-                    </p:cTn>
-                  </p:par>
-                  <p:par>
-                    <p:cTn id="7" fill="hold">
-                      <p:stCondLst>
-                        <p:cond delay="indefinite"/>
-                      </p:stCondLst>
-                      <p:childTnLst>
-                        <p:par>
-                          <p:cTn id="8" fill="hold">
-                            <p:stCondLst>
-                              <p:cond delay="0"/>
-                            </p:stCondLst>
-                            <p:childTnLst>
-                              <p:par>
-                                <p:cTn id="9" presetID="1" presetClass="entr" presetSubtype="0" fill="hold" nodeType="clickEffect">
-                                  <p:stCondLst>
-                                    <p:cond delay="0"/>
-                                  </p:stCondLst>
-                                  <p:childTnLst>
-                                    <p:set>
-                                      <p:cBhvr>
-                                        <p:cTn id="10" dur="1" fill="hold">
-                                          <p:stCondLst>
-                                            <p:cond delay="0"/>
-                                          </p:stCondLst>
-                                        </p:cTn>
-                                        <p:tgtEl>
-                                          <p:spTgt spid="3">
-                                            <p:txEl>
-                                              <p:pRg st="1" end="1"/>
-                                            </p:txEl>
-                                          </p:spTgt>
-                                        </p:tgtEl>
-                                        <p:attrNameLst>
-                                          <p:attrName>style.visibility</p:attrName>
-                                        </p:attrNameLst>
-                                      </p:cBhvr>
-                                      <p:to>
-                                        <p:strVal val="visible"/>
-                                      </p:to>
-                                    </p:set>
-                                  </p:childTnLst>
-                                </p:cTn>
-                              </p:par>
-                            </p:childTnLst>
-                          </p:cTn>
-                        </p:par>
-                      </p:childTnLst>
-                    </p:cTn>
-                  </p:par>
-                  <p:par>
-                    <p:cTn id="11" fill="hold">
-                      <p:stCondLst>
-                        <p:cond delay="indefinite"/>
-                      </p:stCondLst>
-                      <p:childTnLst>
-                        <p:par>
-                          <p:cTn id="12" fill="hold">
-                            <p:stCondLst>
-                              <p:cond delay="0"/>
-                            </p:stCondLst>
-                            <p:childTnLst>
-                              <p:par>
-                                <p:cTn id="13" presetID="1" presetClass="entr" presetSubtype="0" fill="hold" nodeType="clickEffect">
-                                  <p:stCondLst>
-                                    <p:cond delay="0"/>
-                                  </p:stCondLst>
-                                  <p:childTnLst>
-                                    <p:set>
-                                      <p:cBhvr>
-                                        <p:cTn id="14" dur="1" fill="hold">
-                                          <p:stCondLst>
-                                            <p:cond delay="0"/>
-                                          </p:stCondLst>
-                                        </p:cTn>
-                                        <p:tgtEl>
-                                          <p:spTgt spid="3">
-                                            <p:txEl>
-                                              <p:pRg st="2" end="2"/>
-                                            </p:txEl>
-                                          </p:spTgt>
-                                        </p:tgtEl>
-                                        <p:attrNameLst>
-                                          <p:attrName>style.visibility</p:attrName>
-                                        </p:attrNameLst>
-                                      </p:cBhvr>
-                                      <p:to>
-                                        <p:strVal val="visible"/>
-                                      </p:to>
-                                    </p:set>
-                                  </p:childTnLst>
-                                </p:cTn>
-                              </p:par>
-                            </p:childTnLst>
-                          </p:cTn>
-                        </p:par>
-                      </p:childTnLst>
-                    </p:cTn>
-                  </p:par>
-                  <p:par>
-                    <p:cTn id="15" fill="hold">
-                      <p:stCondLst>
-                        <p:cond delay="indefinite"/>
-                      </p:stCondLst>
-                      <p:childTnLst>
-                        <p:par>
-                          <p:cTn id="16" fill="hold">
-                            <p:stCondLst>
-                              <p:cond delay="0"/>
-                            </p:stCondLst>
-                            <p:childTnLst>
-                              <p:par>
-                                <p:cTn id="17" presetID="1" presetClass="entr" presetSubtype="0" fill="hold" nodeType="clickEffect">
-                                  <p:stCondLst>
-                                    <p:cond delay="0"/>
-                                  </p:stCondLst>
-                                  <p:childTnLst>
-                                    <p:set>
-                                      <p:cBhvr>
-                                        <p:cTn id="18" dur="1" fill="hold">
-                                          <p:stCondLst>
-                                            <p:cond delay="0"/>
-                                          </p:stCondLst>
-                                        </p:cTn>
-                                        <p:tgtEl>
-                                          <p:spTgt spid="3">
-                                            <p:txEl>
-                                              <p:pRg st="3" end="3"/>
-                                            </p:txEl>
-                                          </p:spTgt>
-                                        </p:tgtEl>
-                                        <p:attrNameLst>
-                                          <p:attrName>style.visibility</p:attrName>
-                                        </p:attrNameLst>
-                                      </p:cBhvr>
-                                      <p:to>
-                                        <p:strVal val="visible"/>
-                                      </p:to>
-                                    </p:set>
-                                  </p:childTnLst>
-                                </p:cTn>
-                              </p:par>
-                            </p:childTnLst>
-                          </p:cTn>
-                        </p:par>
-                      </p:childTnLst>
-                    </p:cTn>
-                  </p:par>
-                  <p:par>
-                    <p:cTn id="19" fill="hold">
-                      <p:stCondLst>
-                        <p:cond delay="indefinite"/>
-                      </p:stCondLst>
-                      <p:childTnLst>
-                        <p:par>
-                          <p:cTn id="20" fill="hold">
-                            <p:stCondLst>
-                              <p:cond delay="0"/>
-                            </p:stCondLst>
-                            <p:childTnLst>
-                              <p:par>
-                                <p:cTn id="21" presetID="1" presetClass="entr" presetSubtype="0" fill="hold" nodeType="clickEffect">
-                                  <p:stCondLst>
-                                    <p:cond delay="0"/>
-                                  </p:stCondLst>
-                                  <p:childTnLst>
-                                    <p:set>
-                                      <p:cBhvr>
-                                        <p:cTn id="22" dur="1" fill="hold">
-                                          <p:stCondLst>
-                                            <p:cond delay="0"/>
-                                          </p:stCondLst>
-                                        </p:cTn>
-                                        <p:tgtEl>
-                                          <p:spTgt spid="3">
-                                            <p:txEl>
-                                              <p:pRg st="4" end="4"/>
-                                            </p:txEl>
-                                          </p:spTgt>
-                                        </p:tgtEl>
-                                        <p:attrNameLst>
-                                          <p:attrName>style.visibility</p:attrName>
-                                        </p:attrNameLst>
-                                      </p:cBhvr>
-                                      <p:to>
-                                        <p:strVal val="visible"/>
-                                      </p:to>
-                                    </p:set>
-                                  </p:childTnLst>
-                                </p:cTn>
-                              </p:par>
-                            </p:childTnLst>
-                          </p:cTn>
-                        </p:par>
-                      </p:childTnLst>
-                    </p:cTn>
-                  </p:par>
-                  <p:par>
-                    <p:cTn id="23" fill="hold">
-                      <p:stCondLst>
-                        <p:cond delay="indefinite"/>
-                      </p:stCondLst>
-                      <p:childTnLst>
-                        <p:par>
-                          <p:cTn id="24" fill="hold">
-                            <p:stCondLst>
-                              <p:cond delay="0"/>
-                            </p:stCondLst>
-                            <p:childTnLst>
-                              <p:par>
-                                <p:cTn id="25" presetID="1" presetClass="entr" presetSubtype="0" fill="hold" nodeType="clickEffect">
-                                  <p:stCondLst>
-                                    <p:cond delay="0"/>
-                                  </p:stCondLst>
-                                  <p:childTnLst>
-                                    <p:set>
-                                      <p:cBhvr>
-                                        <p:cTn id="26" dur="1" fill="hold">
-                                          <p:stCondLst>
-                                            <p:cond delay="0"/>
-                                          </p:stCondLst>
-                                        </p:cTn>
-                                        <p:tgtEl>
-                                          <p:spTgt spid="3">
-                                            <p:txEl>
-                                              <p:pRg st="5" end="5"/>
-                                            </p:txEl>
-                                          </p:spTgt>
-                                        </p:tgtEl>
-                                        <p:attrNameLst>
-                                          <p:attrName>style.visibility</p:attrName>
-                                        </p:attrNameLst>
-                                      </p:cBhvr>
-                                      <p:to>
-                                        <p:strVal val="visible"/>
-                                      </p:to>
-                                    </p:set>
-                                  </p:childTnLst>
-                                </p:cTn>
-                              </p:par>
-                            </p:childTnLst>
-                          </p:cTn>
-                        </p:par>
-                      </p:childTnLst>
-                    </p:cTn>
-                  </p:par>
-                  <p:par>
-                    <p:cTn id="27" fill="hold">
-                      <p:stCondLst>
-                        <p:cond delay="indefinite"/>
-                      </p:stCondLst>
-                      <p:childTnLst>
-                        <p:par>
-                          <p:cTn id="28" fill="hold">
-                            <p:stCondLst>
-                              <p:cond delay="0"/>
-                            </p:stCondLst>
-                            <p:childTnLst>
-                              <p:par>
-                                <p:cTn id="29" presetID="1" presetClass="entr" presetSubtype="0" fill="hold" nodeType="clickEffect">
-                                  <p:stCondLst>
-                                    <p:cond delay="0"/>
-                                  </p:stCondLst>
-                                  <p:childTnLst>
-                                    <p:set>
-                                      <p:cBhvr>
-                                        <p:cTn id="30" dur="1" fill="hold">
-                                          <p:stCondLst>
-                                            <p:cond delay="0"/>
-                                          </p:stCondLst>
-                                        </p:cTn>
-                                        <p:tgtEl>
-                                          <p:spTgt spid="3">
-                                            <p:txEl>
-                                              <p:pRg st="6" end="6"/>
-                                            </p:txEl>
-                                          </p:spTgt>
-                                        </p:tgtEl>
-                                        <p:attrNameLst>
-                                          <p:attrName>style.visibility</p:attrName>
-                                        </p:attrNameLst>
-                                      </p:cBhvr>
-                                      <p:to>
-                                        <p:strVal val="visible"/>
-                                      </p:to>
-                                    </p:set>
-                                  </p:childTnLst>
-                                </p:cTn>
-                              </p:par>
-                            </p:childTnLst>
-                          </p:cTn>
-                        </p:par>
-                      </p:childTnLst>
-                    </p:cTn>
-                  </p:par>
-                  <p:par>
-                    <p:cTn id="31" fill="hold">
-                      <p:stCondLst>
-                        <p:cond delay="indefinite"/>
-                      </p:stCondLst>
-                      <p:childTnLst>
-                        <p:par>
-                          <p:cTn id="32" fill="hold">
-                            <p:stCondLst>
-                              <p:cond delay="0"/>
-                            </p:stCondLst>
-                            <p:childTnLst>
-                              <p:par>
-                                <p:cTn id="33" presetID="1" presetClass="entr" presetSubtype="0" fill="hold" nodeType="clickEffect">
-                                  <p:stCondLst>
-                                    <p:cond delay="0"/>
-                                  </p:stCondLst>
-                                  <p:childTnLst>
-                                    <p:set>
-                                      <p:cBhvr>
-                                        <p:cTn id="34" dur="1" fill="hold">
-                                          <p:stCondLst>
-                                            <p:cond delay="0"/>
-                                          </p:stCondLst>
-                                        </p:cTn>
-                                        <p:tgtEl>
-                                          <p:spTgt spid="3">
-                                            <p:txEl>
-                                              <p:pRg st="7" end="7"/>
-                                            </p:txEl>
-                                          </p:spTgt>
-                                        </p:tgtEl>
-                                        <p:attrNameLst>
-                                          <p:attrName>style.visibility</p:attrName>
-                                        </p:attrNameLst>
-                                      </p:cBhvr>
-                                      <p:to>
-                                        <p:strVal val="visible"/>
-                                      </p:to>
-                                    </p:set>
-                                  </p:childTnLst>
-                                </p:cTn>
-                              </p:par>
-                            </p:childTnLst>
-                          </p:cTn>
-                        </p:par>
-                      </p:childTnLst>
-                    </p:cTn>
-                  </p:par>
-                </p:childTnLst>
-              </p:cTn>
-              <p:prevCondLst>
-                <p:cond evt="onPrev" delay="0">
-                  <p:tgtEl>
-                    <p:sldTgt/>
-                  </p:tgtEl>
-                </p:cond>
-              </p:prevCondLst>
-              <p:nextCondLst>
-                <p:cond evt="onNext" delay="0">
-                  <p:tgtEl>
-                    <p:sldTgt/>
-                  </p:tgtEl>
-                </p:cond>
-              </p:nextCondLst>
-            </p:seq>
-          </p:childTnLst>
-        </p:cTn>
-      </p:par>
-    </p:tnLst>
-  </p:timing>
-</p:sld>
-</file>
-
 <file path=ppt/theme/theme1.xml><?xml version="1.0" encoding="utf-8"?>
 <a:theme xmlns:a="http://schemas.openxmlformats.org/drawingml/2006/main" name="Office Theme">
   <a:themeElements>

--- a/Lesson8/8_IntroductionToRL.pptx
+++ b/Lesson8/8_IntroductionToRL.pptx
@@ -4627,6 +4627,53 @@
           </a:p>
         </p:txBody>
       </p:sp>
+      <p:pic>
+        <p:nvPicPr>
+          <p:cNvPr id="8" name="Picture 2">
+            <a:extLst>
+              <a:ext uri="{FF2B5EF4-FFF2-40B4-BE49-F238E27FC236}">
+                <a16:creationId xmlns:a16="http://schemas.microsoft.com/office/drawing/2014/main" id="{B1207F11-6D80-72BA-5475-31D58070779E}"/>
+              </a:ext>
+            </a:extLst>
+          </p:cNvPr>
+          <p:cNvPicPr>
+            <a:picLocks noChangeAspect="1" noChangeArrowheads="1"/>
+          </p:cNvPicPr>
+          <p:nvPr/>
+        </p:nvPicPr>
+        <p:blipFill>
+          <a:blip r:embed="rId4">
+            <a:extLst>
+              <a:ext uri="{28A0092B-C50C-407E-A947-70E740481C1C}">
+                <a14:useLocalDpi xmlns:a14="http://schemas.microsoft.com/office/drawing/2010/main" val="0"/>
+              </a:ext>
+            </a:extLst>
+          </a:blip>
+          <a:srcRect/>
+          <a:stretch>
+            <a:fillRect/>
+          </a:stretch>
+        </p:blipFill>
+        <p:spPr bwMode="auto">
+          <a:xfrm>
+            <a:off x="8575888" y="4474739"/>
+            <a:ext cx="3574892" cy="2383261"/>
+          </a:xfrm>
+          <a:prstGeom prst="rect">
+            <a:avLst/>
+          </a:prstGeom>
+          <a:noFill/>
+          <a:extLst>
+            <a:ext uri="{909E8E84-426E-40DD-AFC4-6F175D3DCCD1}">
+              <a14:hiddenFill xmlns:a14="http://schemas.microsoft.com/office/drawing/2010/main">
+                <a:solidFill>
+                  <a:srgbClr val="FFFFFF"/>
+                </a:solidFill>
+              </a14:hiddenFill>
+            </a:ext>
+          </a:extLst>
+        </p:spPr>
+      </p:pic>
     </p:spTree>
     <p:extLst>
       <p:ext uri="{BB962C8B-B14F-4D97-AF65-F5344CB8AC3E}">
@@ -8521,14 +8568,11 @@
           <a:lstStyle/>
           <a:p>
             <a:r>
-              <a:rPr lang="en-US">
+              <a:rPr lang="en-US" dirty="0">
                 <a:latin typeface="+mn-lt"/>
               </a:rPr>
               <a:t>Reward Functions</a:t>
             </a:r>
-            <a:endParaRPr lang="en-US" dirty="0">
-              <a:latin typeface="+mn-lt"/>
-            </a:endParaRPr>
           </a:p>
         </p:txBody>
       </p:sp>
